--- a/assets/Week 5 Powerpoint.pptx
+++ b/assets/Week 5 Powerpoint.pptx
@@ -1691,7 +1691,7 @@
 <dgm:dataModel xmlns:dgm="http://schemas.openxmlformats.org/drawingml/2006/diagram" xmlns:a="http://schemas.openxmlformats.org/drawingml/2006/main">
   <dgm:ptLst>
     <dgm:pt modelId="{E828A9ED-C923-490B-8C42-2F19158B121F}" type="doc">
-      <dgm:prSet loTypeId="urn:microsoft.com/office/officeart/2005/8/layout/default" loCatId="list" qsTypeId="urn:microsoft.com/office/officeart/2005/8/quickstyle/simple2" qsCatId="simple" csTypeId="urn:microsoft.com/office/officeart/2005/8/colors/colorful2" csCatId="colorful"/>
+      <dgm:prSet loTypeId="urn:microsoft.com/office/officeart/2005/8/layout/default" loCatId="list" qsTypeId="urn:microsoft.com/office/officeart/2005/8/quickstyle/simple2" qsCatId="simple" csTypeId="urn:microsoft.com/office/officeart/2005/8/colors/colorful2" csCatId="colorful" phldr="1"/>
       <dgm:spPr/>
       <dgm:t>
         <a:bodyPr/>
@@ -1847,13 +1847,15 @@
     </dgm:pt>
     <dgm:pt modelId="{E40E3F6E-45C3-48F1-9A21-2F54BAB76550}">
       <dgm:prSet/>
-      <dgm:spPr/>
+      <dgm:spPr>
+        <a:ln w="63500"/>
+      </dgm:spPr>
       <dgm:t>
         <a:bodyPr/>
         <a:lstStyle/>
         <a:p>
           <a:r>
-            <a:rPr lang="en-US"/>
+            <a:rPr lang="en-US" dirty="0"/>
             <a:t>Use Abilities</a:t>
           </a:r>
         </a:p>
@@ -1919,13 +1921,15 @@
     </dgm:pt>
     <dgm:pt modelId="{FE843DB7-978D-4083-A80C-F8F18F73FEB8}">
       <dgm:prSet/>
-      <dgm:spPr/>
+      <dgm:spPr>
+        <a:ln w="53975"/>
+      </dgm:spPr>
       <dgm:t>
         <a:bodyPr/>
         <a:lstStyle/>
         <a:p>
           <a:r>
-            <a:rPr lang="en-US"/>
+            <a:rPr lang="en-US" dirty="0"/>
             <a:t>Attack</a:t>
           </a:r>
         </a:p>
@@ -2561,14 +2565,9 @@
             <a:alphaOff val="0"/>
           </a:schemeClr>
         </a:solidFill>
-        <a:ln w="22225" cap="flat" cmpd="sng" algn="ctr">
+        <a:ln w="63500" cap="flat" cmpd="sng" algn="ctr">
           <a:solidFill>
-            <a:schemeClr val="lt1">
-              <a:hueOff val="0"/>
-              <a:satOff val="0"/>
-              <a:lumOff val="0"/>
-              <a:alphaOff val="0"/>
-            </a:schemeClr>
+            <a:scrgbClr r="0" g="0" b="0"/>
           </a:solidFill>
           <a:prstDash val="solid"/>
         </a:ln>
@@ -2607,7 +2606,7 @@
             <a:buNone/>
           </a:pPr>
           <a:r>
-            <a:rPr lang="en-US" sz="4200" kern="1200"/>
+            <a:rPr lang="en-US" sz="4200" kern="1200" dirty="0"/>
             <a:t>Use Abilities</a:t>
           </a:r>
         </a:p>
@@ -2715,14 +2714,9 @@
             <a:alphaOff val="0"/>
           </a:schemeClr>
         </a:solidFill>
-        <a:ln w="22225" cap="flat" cmpd="sng" algn="ctr">
+        <a:ln w="53975" cap="flat" cmpd="sng" algn="ctr">
           <a:solidFill>
-            <a:schemeClr val="lt1">
-              <a:hueOff val="0"/>
-              <a:satOff val="0"/>
-              <a:lumOff val="0"/>
-              <a:alphaOff val="0"/>
-            </a:schemeClr>
+            <a:scrgbClr r="0" g="0" b="0"/>
           </a:solidFill>
           <a:prstDash val="solid"/>
         </a:ln>
@@ -2761,7 +2755,7 @@
             <a:buNone/>
           </a:pPr>
           <a:r>
-            <a:rPr lang="en-US" sz="4200" kern="1200"/>
+            <a:rPr lang="en-US" sz="4200" kern="1200" dirty="0"/>
             <a:t>Attack</a:t>
           </a:r>
         </a:p>
@@ -17871,7 +17865,7 @@
           <a:lstStyle/>
           <a:p>
             <a:r>
-              <a:rPr lang="en-US"/>
+              <a:rPr lang="en-US" dirty="0"/>
               <a:t>ON Time</a:t>
             </a:r>
           </a:p>
@@ -19172,7 +19166,7 @@
             <p:ph idx="1"/>
             <p:extLst>
               <p:ext uri="{D42A27DB-BD31-4B8C-83A1-F6EECF244321}">
-                <p14:modId xmlns:p14="http://schemas.microsoft.com/office/powerpoint/2010/main" val="3665447131"/>
+                <p14:modId xmlns:p14="http://schemas.microsoft.com/office/powerpoint/2010/main" val="2661845542"/>
               </p:ext>
             </p:extLst>
           </p:nvPr>
